--- a/materials/OS-M3/OS-M3-S3-R-Part-II/OS-M3-S3-R-Part-II-slides.pptx
+++ b/materials/OS-M3/OS-M3-S3-R-Part-II/OS-M3-S3-R-Part-II-slides.pptx
@@ -4025,7 +4025,7 @@
             </a:pPr>
             <a:r>
               <a:rPr/>
-              <a:t>08/01/2026</a:t>
+              <a:t>09/01/2026</a:t>
             </a:r>
           </a:p>
         </p:txBody>
